--- a/access diagram.pptx
+++ b/access diagram.pptx
@@ -104,15 +104,12 @@
       </a:defRPr>
     </a:lvl9pPr>
   </p:defaultTextStyle>
+  <p:extLst>
+    <p:ext uri="{EFAFB233-063F-42B5-8137-9DF3F51BA10A}">
+      <p15:sldGuideLst xmlns:p15="http://schemas.microsoft.com/office/powerpoint/2012/main"/>
+    </p:ext>
+  </p:extLst>
 </p:presentation>
-</file>
-
-<file path=ppt/revisionInfo.xml><?xml version="1.0" encoding="utf-8"?>
-<p1510:revInfo xmlns:a="http://schemas.openxmlformats.org/drawingml/2006/main" xmlns:r="http://schemas.openxmlformats.org/officeDocument/2006/relationships" xmlns:p1510="http://schemas.microsoft.com/office/powerpoint/2015/10/main">
-  <p1510:revLst>
-    <p1510:client id="{15339CAF-5DD4-4340-AE50-415F3AF13D5E}" v="1" dt="2021-10-05T10:25:51.140"/>
-  </p1510:revLst>
-</p1510:revInfo>
 </file>
 
 <file path=ppt/changesInfos/changesInfo1.xml><?xml version="1.0" encoding="utf-8"?>
@@ -130,6 +127,38 @@
           <pc:docMk/>
           <pc:sldMk cId="1055859908" sldId="259"/>
         </pc:sldMkLst>
+      </pc:sldChg>
+    </pc:docChg>
+  </pc:docChgLst>
+  <pc:docChgLst>
+    <pc:chgData name="Lenka Hasova" userId="ea5c8ace-893c-4ae9-95cf-0ff1299a7b7a" providerId="ADAL" clId="{307078D1-4FCB-40E4-9511-082C788C21E9}"/>
+    <pc:docChg chg="modSld">
+      <pc:chgData name="Lenka Hasova" userId="ea5c8ace-893c-4ae9-95cf-0ff1299a7b7a" providerId="ADAL" clId="{307078D1-4FCB-40E4-9511-082C788C21E9}" dt="2021-11-05T14:30:37.864" v="0" actId="14100"/>
+      <pc:docMkLst>
+        <pc:docMk/>
+      </pc:docMkLst>
+      <pc:sldChg chg="modSp mod">
+        <pc:chgData name="Lenka Hasova" userId="ea5c8ace-893c-4ae9-95cf-0ff1299a7b7a" providerId="ADAL" clId="{307078D1-4FCB-40E4-9511-082C788C21E9}" dt="2021-11-05T14:30:37.864" v="0" actId="14100"/>
+        <pc:sldMkLst>
+          <pc:docMk/>
+          <pc:sldMk cId="1055859908" sldId="259"/>
+        </pc:sldMkLst>
+        <pc:spChg chg="mod">
+          <ac:chgData name="Lenka Hasova" userId="ea5c8ace-893c-4ae9-95cf-0ff1299a7b7a" providerId="ADAL" clId="{307078D1-4FCB-40E4-9511-082C788C21E9}" dt="2021-11-05T14:30:37.864" v="0" actId="14100"/>
+          <ac:spMkLst>
+            <pc:docMk/>
+            <pc:sldMk cId="1055859908" sldId="259"/>
+            <ac:spMk id="7" creationId="{C24A3E35-E0B9-456F-8BF5-695B89D68EF1}"/>
+          </ac:spMkLst>
+        </pc:spChg>
+        <pc:cxnChg chg="mod">
+          <ac:chgData name="Lenka Hasova" userId="ea5c8ace-893c-4ae9-95cf-0ff1299a7b7a" providerId="ADAL" clId="{307078D1-4FCB-40E4-9511-082C788C21E9}" dt="2021-11-05T14:30:37.864" v="0" actId="14100"/>
+          <ac:cxnSpMkLst>
+            <pc:docMk/>
+            <pc:sldMk cId="1055859908" sldId="259"/>
+            <ac:cxnSpMk id="10" creationId="{4DB937F6-F994-4976-96A4-0FFE24E775CB}"/>
+          </ac:cxnSpMkLst>
+        </pc:cxnChg>
       </pc:sldChg>
     </pc:docChg>
   </pc:docChgLst>
@@ -285,7 +314,7 @@
           <a:p>
             <a:fld id="{66FC1671-57F9-40E3-A4AD-9D8CD3F135F8}" type="datetimeFigureOut">
               <a:rPr lang="en-GB" smtClean="0"/>
-              <a:t>05/10/2021</a:t>
+              <a:t>05/11/2021</a:t>
             </a:fld>
             <a:endParaRPr lang="en-GB"/>
           </a:p>
@@ -485,7 +514,7 @@
           <a:p>
             <a:fld id="{66FC1671-57F9-40E3-A4AD-9D8CD3F135F8}" type="datetimeFigureOut">
               <a:rPr lang="en-GB" smtClean="0"/>
-              <a:t>05/10/2021</a:t>
+              <a:t>05/11/2021</a:t>
             </a:fld>
             <a:endParaRPr lang="en-GB"/>
           </a:p>
@@ -695,7 +724,7 @@
           <a:p>
             <a:fld id="{66FC1671-57F9-40E3-A4AD-9D8CD3F135F8}" type="datetimeFigureOut">
               <a:rPr lang="en-GB" smtClean="0"/>
-              <a:t>05/10/2021</a:t>
+              <a:t>05/11/2021</a:t>
             </a:fld>
             <a:endParaRPr lang="en-GB"/>
           </a:p>
@@ -895,7 +924,7 @@
           <a:p>
             <a:fld id="{66FC1671-57F9-40E3-A4AD-9D8CD3F135F8}" type="datetimeFigureOut">
               <a:rPr lang="en-GB" smtClean="0"/>
-              <a:t>05/10/2021</a:t>
+              <a:t>05/11/2021</a:t>
             </a:fld>
             <a:endParaRPr lang="en-GB"/>
           </a:p>
@@ -1171,7 +1200,7 @@
           <a:p>
             <a:fld id="{66FC1671-57F9-40E3-A4AD-9D8CD3F135F8}" type="datetimeFigureOut">
               <a:rPr lang="en-GB" smtClean="0"/>
-              <a:t>05/10/2021</a:t>
+              <a:t>05/11/2021</a:t>
             </a:fld>
             <a:endParaRPr lang="en-GB"/>
           </a:p>
@@ -1439,7 +1468,7 @@
           <a:p>
             <a:fld id="{66FC1671-57F9-40E3-A4AD-9D8CD3F135F8}" type="datetimeFigureOut">
               <a:rPr lang="en-GB" smtClean="0"/>
-              <a:t>05/10/2021</a:t>
+              <a:t>05/11/2021</a:t>
             </a:fld>
             <a:endParaRPr lang="en-GB"/>
           </a:p>
@@ -1854,7 +1883,7 @@
           <a:p>
             <a:fld id="{66FC1671-57F9-40E3-A4AD-9D8CD3F135F8}" type="datetimeFigureOut">
               <a:rPr lang="en-GB" smtClean="0"/>
-              <a:t>05/10/2021</a:t>
+              <a:t>05/11/2021</a:t>
             </a:fld>
             <a:endParaRPr lang="en-GB"/>
           </a:p>
@@ -1996,7 +2025,7 @@
           <a:p>
             <a:fld id="{66FC1671-57F9-40E3-A4AD-9D8CD3F135F8}" type="datetimeFigureOut">
               <a:rPr lang="en-GB" smtClean="0"/>
-              <a:t>05/10/2021</a:t>
+              <a:t>05/11/2021</a:t>
             </a:fld>
             <a:endParaRPr lang="en-GB"/>
           </a:p>
@@ -2109,7 +2138,7 @@
           <a:p>
             <a:fld id="{66FC1671-57F9-40E3-A4AD-9D8CD3F135F8}" type="datetimeFigureOut">
               <a:rPr lang="en-GB" smtClean="0"/>
-              <a:t>05/10/2021</a:t>
+              <a:t>05/11/2021</a:t>
             </a:fld>
             <a:endParaRPr lang="en-GB"/>
           </a:p>
@@ -2422,7 +2451,7 @@
           <a:p>
             <a:fld id="{66FC1671-57F9-40E3-A4AD-9D8CD3F135F8}" type="datetimeFigureOut">
               <a:rPr lang="en-GB" smtClean="0"/>
-              <a:t>05/10/2021</a:t>
+              <a:t>05/11/2021</a:t>
             </a:fld>
             <a:endParaRPr lang="en-GB"/>
           </a:p>
@@ -2711,7 +2740,7 @@
           <a:p>
             <a:fld id="{66FC1671-57F9-40E3-A4AD-9D8CD3F135F8}" type="datetimeFigureOut">
               <a:rPr lang="en-GB" smtClean="0"/>
-              <a:t>05/10/2021</a:t>
+              <a:t>05/11/2021</a:t>
             </a:fld>
             <a:endParaRPr lang="en-GB"/>
           </a:p>
@@ -2954,7 +2983,7 @@
           <a:p>
             <a:fld id="{66FC1671-57F9-40E3-A4AD-9D8CD3F135F8}" type="datetimeFigureOut">
               <a:rPr lang="en-GB" smtClean="0"/>
-              <a:t>05/10/2021</a:t>
+              <a:t>05/11/2021</a:t>
             </a:fld>
             <a:endParaRPr lang="en-GB"/>
           </a:p>
@@ -3714,8 +3743,8 @@
         </p:nvSpPr>
         <p:spPr>
           <a:xfrm>
-            <a:off x="1468303" y="4940970"/>
-            <a:ext cx="3032500" cy="1070630"/>
+            <a:off x="1468303" y="4940969"/>
+            <a:ext cx="3032500" cy="1210997"/>
           </a:xfrm>
           <a:prstGeom prst="rect">
             <a:avLst/>
@@ -3853,7 +3882,7 @@
         <p:spPr>
           <a:xfrm flipH="1">
             <a:off x="4500803" y="4430551"/>
-            <a:ext cx="2196416" cy="1045734"/>
+            <a:ext cx="2196416" cy="1115917"/>
           </a:xfrm>
           <a:prstGeom prst="straightConnector1">
             <a:avLst/>
